--- a/lectures/Lecture_01a.pptx
+++ b/lectures/Lecture_01a.pptx
@@ -229,7 +229,7 @@
             <a:fld id="{0775BF4A-9CB1-5747-B319-707DA98CEC20}" type="datetime1">
               <a:rPr lang="en-US" smtClean="0"/>
               <a:pPr/>
-              <a:t>8/4/2015</a:t>
+              <a:t>8/28/2015</a:t>
             </a:fld>
             <a:endParaRPr lang="en-US"/>
           </a:p>
@@ -397,7 +397,7 @@
             <a:fld id="{62BC7567-D5EA-874F-8815-73DC5E77631E}" type="datetime1">
               <a:rPr lang="en-US" smtClean="0"/>
               <a:pPr/>
-              <a:t>8/4/2015</a:t>
+              <a:t>8/28/2015</a:t>
             </a:fld>
             <a:endParaRPr lang="en-US"/>
           </a:p>
@@ -836,6 +836,99 @@
     <p:extLst>
       <p:ext uri="{BB962C8B-B14F-4D97-AF65-F5344CB8AC3E}">
         <p14:creationId xmlns:p14="http://schemas.microsoft.com/office/powerpoint/2010/main" val="1312654929"/>
+      </p:ext>
+    </p:extLst>
+  </p:cSld>
+  <p:clrMapOvr>
+    <a:masterClrMapping/>
+  </p:clrMapOvr>
+</p:notes>
+</file>
+
+<file path=ppt/notesSlides/notesSlide3.xml><?xml version="1.0" encoding="utf-8"?>
+<p:notes xmlns:a="http://schemas.openxmlformats.org/drawingml/2006/main" xmlns:r="http://schemas.openxmlformats.org/officeDocument/2006/relationships" xmlns:p="http://schemas.openxmlformats.org/presentationml/2006/main">
+  <p:cSld>
+    <p:spTree>
+      <p:nvGrpSpPr>
+        <p:cNvPr id="1" name=""/>
+        <p:cNvGrpSpPr/>
+        <p:nvPr/>
+      </p:nvGrpSpPr>
+      <p:grpSpPr>
+        <a:xfrm>
+          <a:off x="0" y="0"/>
+          <a:ext cx="0" cy="0"/>
+          <a:chOff x="0" y="0"/>
+          <a:chExt cx="0" cy="0"/>
+        </a:xfrm>
+      </p:grpSpPr>
+      <p:sp>
+        <p:nvSpPr>
+          <p:cNvPr id="2" name="Slide Image Placeholder 1"/>
+          <p:cNvSpPr>
+            <a:spLocks noGrp="1" noRot="1" noChangeAspect="1"/>
+          </p:cNvSpPr>
+          <p:nvPr>
+            <p:ph type="sldImg"/>
+          </p:nvPr>
+        </p:nvSpPr>
+        <p:spPr/>
+      </p:sp>
+      <p:sp>
+        <p:nvSpPr>
+          <p:cNvPr id="3" name="Notes Placeholder 2"/>
+          <p:cNvSpPr>
+            <a:spLocks noGrp="1"/>
+          </p:cNvSpPr>
+          <p:nvPr>
+            <p:ph type="body" idx="1"/>
+          </p:nvPr>
+        </p:nvSpPr>
+        <p:spPr/>
+        <p:txBody>
+          <a:bodyPr/>
+          <a:lstStyle/>
+          <a:p>
+            <a:r>
+              <a:rPr lang="en-US" dirty="0" smtClean="0"/>
+              <a:t>Perhaps need to revise the dates for the oral</a:t>
+            </a:r>
+            <a:r>
+              <a:rPr lang="en-US" baseline="0" dirty="0" smtClean="0"/>
+              <a:t> presentations  - due dates.</a:t>
+            </a:r>
+            <a:endParaRPr lang="en-US" dirty="0"/>
+          </a:p>
+        </p:txBody>
+      </p:sp>
+      <p:sp>
+        <p:nvSpPr>
+          <p:cNvPr id="4" name="Slide Number Placeholder 3"/>
+          <p:cNvSpPr>
+            <a:spLocks noGrp="1"/>
+          </p:cNvSpPr>
+          <p:nvPr>
+            <p:ph type="sldNum" sz="quarter" idx="10"/>
+          </p:nvPr>
+        </p:nvSpPr>
+        <p:spPr/>
+        <p:txBody>
+          <a:bodyPr/>
+          <a:lstStyle/>
+          <a:p>
+            <a:fld id="{BB8DCC0E-7DBF-7C4A-B104-25FE08E3BB8F}" type="slidenum">
+              <a:rPr lang="en-US" smtClean="0"/>
+              <a:pPr/>
+              <a:t>10</a:t>
+            </a:fld>
+            <a:endParaRPr lang="en-US"/>
+          </a:p>
+        </p:txBody>
+      </p:sp>
+    </p:spTree>
+    <p:extLst>
+      <p:ext uri="{BB962C8B-B14F-4D97-AF65-F5344CB8AC3E}">
+        <p14:creationId xmlns:p14="http://schemas.microsoft.com/office/powerpoint/2010/main" val="2388029352"/>
       </p:ext>
     </p:extLst>
   </p:cSld>
@@ -2112,7 +2205,7 @@
           <a:p>
             <a:fld id="{6E5F1CB0-951D-8740-94E3-4A6F7DDA25E2}" type="datetimeFigureOut">
               <a:rPr lang="en-US" smtClean="0"/>
-              <a:t>8/4/2015</a:t>
+              <a:t>8/28/2015</a:t>
             </a:fld>
             <a:endParaRPr lang="en-US"/>
           </a:p>
@@ -2400,7 +2493,7 @@
           <a:p>
             <a:fld id="{6E5F1CB0-951D-8740-94E3-4A6F7DDA25E2}" type="datetimeFigureOut">
               <a:rPr lang="en-US" smtClean="0"/>
-              <a:t>8/4/2015</a:t>
+              <a:t>8/28/2015</a:t>
             </a:fld>
             <a:endParaRPr lang="en-US"/>
           </a:p>
@@ -2822,7 +2915,7 @@
           <a:p>
             <a:fld id="{6E5F1CB0-951D-8740-94E3-4A6F7DDA25E2}" type="datetimeFigureOut">
               <a:rPr lang="en-US" smtClean="0"/>
-              <a:t>8/4/2015</a:t>
+              <a:t>8/28/2015</a:t>
             </a:fld>
             <a:endParaRPr lang="en-US"/>
           </a:p>
@@ -2940,7 +3033,7 @@
           <a:p>
             <a:fld id="{6E5F1CB0-951D-8740-94E3-4A6F7DDA25E2}" type="datetimeFigureOut">
               <a:rPr lang="en-US" smtClean="0"/>
-              <a:t>8/4/2015</a:t>
+              <a:t>8/28/2015</a:t>
             </a:fld>
             <a:endParaRPr lang="en-US"/>
           </a:p>
@@ -3035,7 +3128,7 @@
           <a:p>
             <a:fld id="{6E5F1CB0-951D-8740-94E3-4A6F7DDA25E2}" type="datetimeFigureOut">
               <a:rPr lang="en-US" smtClean="0"/>
-              <a:t>8/4/2015</a:t>
+              <a:t>8/28/2015</a:t>
             </a:fld>
             <a:endParaRPr lang="en-US"/>
           </a:p>
@@ -3312,7 +3405,7 @@
           <a:p>
             <a:fld id="{6E5F1CB0-951D-8740-94E3-4A6F7DDA25E2}" type="datetimeFigureOut">
               <a:rPr lang="en-US" smtClean="0"/>
-              <a:t>8/4/2015</a:t>
+              <a:t>8/28/2015</a:t>
             </a:fld>
             <a:endParaRPr lang="en-US"/>
           </a:p>
@@ -3565,7 +3658,7 @@
           <a:p>
             <a:fld id="{6E5F1CB0-951D-8740-94E3-4A6F7DDA25E2}" type="datetimeFigureOut">
               <a:rPr lang="en-US" smtClean="0"/>
-              <a:t>8/4/2015</a:t>
+              <a:t>8/28/2015</a:t>
             </a:fld>
             <a:endParaRPr lang="en-US"/>
           </a:p>
@@ -3735,7 +3828,7 @@
           <a:p>
             <a:fld id="{6E5F1CB0-951D-8740-94E3-4A6F7DDA25E2}" type="datetimeFigureOut">
               <a:rPr lang="en-US" smtClean="0"/>
-              <a:t>8/4/2015</a:t>
+              <a:t>8/28/2015</a:t>
             </a:fld>
             <a:endParaRPr lang="en-US"/>
           </a:p>
@@ -4584,7 +4677,7 @@
           <a:p>
             <a:fld id="{6E5F1CB0-951D-8740-94E3-4A6F7DDA25E2}" type="datetimeFigureOut">
               <a:rPr lang="en-US" smtClean="0"/>
-              <a:t>8/4/2015</a:t>
+              <a:t>8/28/2015</a:t>
             </a:fld>
             <a:endParaRPr lang="en-US"/>
           </a:p>
@@ -4688,7 +4781,7 @@
             <a:fld id="{1D8BD707-D9CF-40AE-B4C6-C98DA3205C09}" type="datetimeFigureOut">
               <a:rPr lang="en-US" smtClean="0"/>
               <a:pPr/>
-              <a:t>8/4/2015</a:t>
+              <a:t>8/28/2015</a:t>
             </a:fld>
             <a:endParaRPr lang="en-US"/>
           </a:p>
@@ -7023,7 +7116,7 @@
           <a:p>
             <a:fld id="{6E5F1CB0-951D-8740-94E3-4A6F7DDA25E2}" type="datetimeFigureOut">
               <a:rPr lang="en-US" smtClean="0"/>
-              <a:t>8/4/2015</a:t>
+              <a:t>8/28/2015</a:t>
             </a:fld>
             <a:endParaRPr lang="en-US"/>
           </a:p>
@@ -7616,16 +7709,13 @@
             </a:pPr>
             <a:r>
               <a:rPr lang="en-US" dirty="0" smtClean="0"/>
-              <a:t>Due Dec </a:t>
-            </a:r>
-            <a:r>
-              <a:rPr lang="en-US" dirty="0"/>
-              <a:t>XX</a:t>
-            </a:r>
-            <a:r>
-              <a:rPr lang="en-US" dirty="0" smtClean="0"/>
-              <a:t>.</a:t>
-            </a:r>
+              <a:t>Due </a:t>
+            </a:r>
+            <a:r>
+              <a:rPr lang="en-US" dirty="0" smtClean="0"/>
+              <a:t>December 8th.</a:t>
+            </a:r>
+            <a:endParaRPr lang="en-US" dirty="0" smtClean="0"/>
           </a:p>
           <a:p>
             <a:pPr marL="0" indent="0">
@@ -7639,8 +7729,13 @@
             </a:pPr>
             <a:r>
               <a:rPr lang="en-US" dirty="0" smtClean="0"/>
-              <a:t>Oral presentation of project (Date TBD, Final Exam slot?).</a:t>
-            </a:r>
+              <a:t>Oral presentation of project </a:t>
+            </a:r>
+            <a:r>
+              <a:rPr lang="en-US" dirty="0" smtClean="0"/>
+              <a:t>(December 15th).</a:t>
+            </a:r>
+            <a:endParaRPr lang="en-US" dirty="0" smtClean="0"/>
           </a:p>
           <a:p>
             <a:pPr marL="0" indent="0">
@@ -7662,8 +7757,13 @@
             </a:r>
             <a:r>
               <a:rPr lang="en-US" dirty="0" smtClean="0"/>
-              <a:t>due September XX.</a:t>
-            </a:r>
+              <a:t>due September </a:t>
+            </a:r>
+            <a:r>
+              <a:rPr lang="en-US" dirty="0" smtClean="0"/>
+              <a:t>29th.</a:t>
+            </a:r>
+            <a:endParaRPr lang="en-US" dirty="0" smtClean="0"/>
           </a:p>
           <a:p>
             <a:pPr marL="0" indent="0">
@@ -7679,8 +7779,17 @@
             </a:r>
             <a:r>
               <a:rPr lang="en-US" dirty="0" smtClean="0"/>
-              <a:t>outline due October XX.</a:t>
-            </a:r>
+              <a:t>outline due October </a:t>
+            </a:r>
+            <a:r>
+              <a:rPr lang="en-US" dirty="0" smtClean="0"/>
+              <a:t>20th</a:t>
+            </a:r>
+            <a:r>
+              <a:rPr lang="en-US" dirty="0" smtClean="0"/>
+              <a:t>.</a:t>
+            </a:r>
+            <a:endParaRPr lang="en-US" dirty="0" smtClean="0"/>
           </a:p>
           <a:p>
             <a:pPr marL="0" indent="0">
@@ -8681,58 +8790,77 @@
             <a:pPr marL="0" indent="0">
               <a:buNone/>
             </a:pPr>
+            <a:r>
+              <a:rPr lang="en-US" dirty="0" smtClean="0"/>
+              <a:t>Also at </a:t>
+            </a:r>
+            <a:r>
+              <a:rPr lang="en-US" dirty="0" smtClean="0">
+                <a:hlinkClick r:id="rId3"/>
+              </a:rPr>
+              <a:t>http://github.com/thefaylab/advpopmod</a:t>
+            </a:r>
             <a:endParaRPr lang="en-US" dirty="0" smtClean="0"/>
-          </a:p>
-          <a:p>
-            <a:pPr marL="0" indent="0">
-              <a:buNone/>
-            </a:pPr>
-            <a:r>
-              <a:rPr lang="en-US" dirty="0" smtClean="0"/>
-              <a:t>Syllabus</a:t>
-            </a:r>
-          </a:p>
-          <a:p>
-            <a:pPr marL="0" indent="0">
-              <a:buNone/>
-            </a:pPr>
-            <a:r>
-              <a:rPr lang="en-US" dirty="0" smtClean="0"/>
-              <a:t>Lecture materials</a:t>
-            </a:r>
-          </a:p>
-          <a:p>
-            <a:pPr marL="0" indent="0">
-              <a:buNone/>
-            </a:pPr>
-            <a:r>
-              <a:rPr lang="en-US" dirty="0" smtClean="0"/>
-              <a:t>Readings</a:t>
-            </a:r>
-          </a:p>
-          <a:p>
-            <a:pPr marL="0" indent="0">
-              <a:buNone/>
-            </a:pPr>
-            <a:r>
-              <a:rPr lang="en-US" dirty="0" smtClean="0"/>
-              <a:t>Lab / assignment files</a:t>
-            </a:r>
-          </a:p>
-          <a:p>
-            <a:pPr marL="0" indent="0">
-              <a:buNone/>
-            </a:pPr>
-            <a:r>
-              <a:rPr lang="en-US" dirty="0" smtClean="0"/>
-              <a:t>Assignment submission</a:t>
-            </a:r>
           </a:p>
           <a:p>
             <a:pPr marL="0" indent="0">
               <a:buNone/>
             </a:pPr>
             <a:endParaRPr lang="en-US" dirty="0" smtClean="0"/>
+          </a:p>
+          <a:p>
+            <a:pPr marL="0" indent="0">
+              <a:buNone/>
+            </a:pPr>
+            <a:r>
+              <a:rPr lang="en-US" dirty="0" smtClean="0"/>
+              <a:t>Syllabus</a:t>
+            </a:r>
+            <a:endParaRPr lang="en-US" dirty="0" smtClean="0"/>
+          </a:p>
+          <a:p>
+            <a:pPr marL="0" indent="0">
+              <a:buNone/>
+            </a:pPr>
+            <a:r>
+              <a:rPr lang="en-US" dirty="0" smtClean="0"/>
+              <a:t>Lecture materials</a:t>
+            </a:r>
+          </a:p>
+          <a:p>
+            <a:pPr marL="0" indent="0">
+              <a:buNone/>
+            </a:pPr>
+            <a:r>
+              <a:rPr lang="en-US" dirty="0" smtClean="0"/>
+              <a:t>Readings</a:t>
+            </a:r>
+          </a:p>
+          <a:p>
+            <a:pPr marL="0" indent="0">
+              <a:buNone/>
+            </a:pPr>
+            <a:r>
+              <a:rPr lang="en-US" dirty="0" smtClean="0"/>
+              <a:t>Lab / </a:t>
+            </a:r>
+            <a:r>
+              <a:rPr lang="en-US" dirty="0" smtClean="0"/>
+              <a:t>Assignment </a:t>
+            </a:r>
+            <a:r>
+              <a:rPr lang="en-US" dirty="0" smtClean="0"/>
+              <a:t>files</a:t>
+            </a:r>
+          </a:p>
+          <a:p>
+            <a:pPr marL="0" indent="0">
+              <a:buNone/>
+            </a:pPr>
+            <a:r>
+              <a:rPr lang="en-US" dirty="0" smtClean="0"/>
+              <a:t>Assignment submission</a:t>
+            </a:r>
           </a:p>
           <a:p>
             <a:pPr marL="0" indent="0">
